--- a/Marketing_Campaign_Effectiveness.pptx
+++ b/Marketing_Campaign_Effectiveness.pptx
@@ -325,7 +325,7 @@
             <a:fld id="{1D8BD707-D9CF-40AE-B4C6-C98DA3205C09}" type="datetimeFigureOut">
               <a:rPr lang="en-US" smtClean="0"/>
               <a:pPr/>
-              <a:t>8/7/2024</a:t>
+              <a:t>10/28/2024</a:t>
             </a:fld>
             <a:endParaRPr lang="en-US"/>
           </a:p>
@@ -490,7 +490,7 @@
             <a:fld id="{1D8BD707-D9CF-40AE-B4C6-C98DA3205C09}" type="datetimeFigureOut">
               <a:rPr lang="en-US" smtClean="0"/>
               <a:pPr/>
-              <a:t>8/7/2024</a:t>
+              <a:t>10/28/2024</a:t>
             </a:fld>
             <a:endParaRPr lang="en-US"/>
           </a:p>
@@ -665,7 +665,7 @@
             <a:fld id="{1D8BD707-D9CF-40AE-B4C6-C98DA3205C09}" type="datetimeFigureOut">
               <a:rPr lang="en-US" smtClean="0"/>
               <a:pPr/>
-              <a:t>8/7/2024</a:t>
+              <a:t>10/28/2024</a:t>
             </a:fld>
             <a:endParaRPr lang="en-US"/>
           </a:p>
@@ -830,7 +830,7 @@
             <a:fld id="{1D8BD707-D9CF-40AE-B4C6-C98DA3205C09}" type="datetimeFigureOut">
               <a:rPr lang="en-US" smtClean="0"/>
               <a:pPr/>
-              <a:t>8/7/2024</a:t>
+              <a:t>10/28/2024</a:t>
             </a:fld>
             <a:endParaRPr lang="en-US"/>
           </a:p>
@@ -1072,7 +1072,7 @@
             <a:fld id="{1D8BD707-D9CF-40AE-B4C6-C98DA3205C09}" type="datetimeFigureOut">
               <a:rPr lang="en-US" smtClean="0"/>
               <a:pPr/>
-              <a:t>8/7/2024</a:t>
+              <a:t>10/28/2024</a:t>
             </a:fld>
             <a:endParaRPr lang="en-US"/>
           </a:p>
@@ -1354,7 +1354,7 @@
             <a:fld id="{1D8BD707-D9CF-40AE-B4C6-C98DA3205C09}" type="datetimeFigureOut">
               <a:rPr lang="en-US" smtClean="0"/>
               <a:pPr/>
-              <a:t>8/7/2024</a:t>
+              <a:t>10/28/2024</a:t>
             </a:fld>
             <a:endParaRPr lang="en-US"/>
           </a:p>
@@ -1770,7 +1770,7 @@
             <a:fld id="{1D8BD707-D9CF-40AE-B4C6-C98DA3205C09}" type="datetimeFigureOut">
               <a:rPr lang="en-US" smtClean="0"/>
               <a:pPr/>
-              <a:t>8/7/2024</a:t>
+              <a:t>10/28/2024</a:t>
             </a:fld>
             <a:endParaRPr lang="en-US"/>
           </a:p>
@@ -1884,7 +1884,7 @@
             <a:fld id="{1D8BD707-D9CF-40AE-B4C6-C98DA3205C09}" type="datetimeFigureOut">
               <a:rPr lang="en-US" smtClean="0"/>
               <a:pPr/>
-              <a:t>8/7/2024</a:t>
+              <a:t>10/28/2024</a:t>
             </a:fld>
             <a:endParaRPr lang="en-US"/>
           </a:p>
@@ -1976,7 +1976,7 @@
             <a:fld id="{1D8BD707-D9CF-40AE-B4C6-C98DA3205C09}" type="datetimeFigureOut">
               <a:rPr lang="en-US" smtClean="0"/>
               <a:pPr/>
-              <a:t>8/7/2024</a:t>
+              <a:t>10/28/2024</a:t>
             </a:fld>
             <a:endParaRPr lang="en-US"/>
           </a:p>
@@ -2248,7 +2248,7 @@
             <a:fld id="{1D8BD707-D9CF-40AE-B4C6-C98DA3205C09}" type="datetimeFigureOut">
               <a:rPr lang="en-US" smtClean="0"/>
               <a:pPr/>
-              <a:t>8/7/2024</a:t>
+              <a:t>10/28/2024</a:t>
             </a:fld>
             <a:endParaRPr lang="en-US"/>
           </a:p>
@@ -2497,7 +2497,7 @@
             <a:fld id="{1D8BD707-D9CF-40AE-B4C6-C98DA3205C09}" type="datetimeFigureOut">
               <a:rPr lang="en-US" smtClean="0"/>
               <a:pPr/>
-              <a:t>8/7/2024</a:t>
+              <a:t>10/28/2024</a:t>
             </a:fld>
             <a:endParaRPr lang="en-US"/>
           </a:p>
@@ -2705,7 +2705,7 @@
             <a:fld id="{1D8BD707-D9CF-40AE-B4C6-C98DA3205C09}" type="datetimeFigureOut">
               <a:rPr lang="en-US" smtClean="0"/>
               <a:pPr/>
-              <a:t>8/7/2024</a:t>
+              <a:t>10/28/2024</a:t>
             </a:fld>
             <a:endParaRPr lang="en-US"/>
           </a:p>
@@ -3958,7 +3958,7 @@
                   </a:solidFill>
                   <a:latin typeface="Open Sans Bold"/>
                 </a:rPr>
-                <a:t>7</a:t>
+                <a:t>9</a:t>
               </a:r>
             </a:p>
           </p:txBody>
@@ -4439,7 +4439,7 @@
                   </a:solidFill>
                   <a:latin typeface="Open Sans Bold"/>
                 </a:rPr>
-                <a:t>8</a:t>
+                <a:t>10</a:t>
               </a:r>
             </a:p>
           </p:txBody>
@@ -5182,7 +5182,7 @@
                   </a:solidFill>
                   <a:latin typeface="Open Sans Bold"/>
                 </a:rPr>
-                <a:t>9</a:t>
+                <a:t>11</a:t>
               </a:r>
             </a:p>
           </p:txBody>
@@ -8106,10 +8106,10 @@
       </p:sp>
       <p:pic>
         <p:nvPicPr>
-          <p:cNvPr id="4" name="Picture 3">
+          <p:cNvPr id="3" name="Picture 2" descr="A graph and chart on a white background&#10;&#10;Description automatically generated">
             <a:extLst>
               <a:ext uri="{FF2B5EF4-FFF2-40B4-BE49-F238E27FC236}">
-                <a16:creationId xmlns:a16="http://schemas.microsoft.com/office/drawing/2014/main" id="{1776B23C-5454-8EFE-AD4B-AAE657617409}"/>
+                <a16:creationId xmlns:a16="http://schemas.microsoft.com/office/drawing/2014/main" id="{18A9C6BD-A02E-83C5-49BC-3079962FD888}"/>
               </a:ext>
             </a:extLst>
           </p:cNvPr>
@@ -8118,15 +8118,22 @@
           </p:cNvPicPr>
           <p:nvPr/>
         </p:nvPicPr>
-        <p:blipFill rotWithShape="1">
-          <a:blip r:embed="rId4"/>
-          <a:srcRect t="38786"/>
-          <a:stretch/>
+        <p:blipFill>
+          <a:blip r:embed="rId4">
+            <a:extLst>
+              <a:ext uri="{28A0092B-C50C-407E-A947-70E740481C1C}">
+                <a14:useLocalDpi xmlns:a14="http://schemas.microsoft.com/office/drawing/2010/main" val="0"/>
+              </a:ext>
+            </a:extLst>
+          </a:blip>
+          <a:stretch>
+            <a:fillRect/>
+          </a:stretch>
         </p:blipFill>
         <p:spPr>
           <a:xfrm>
-            <a:off x="1295400" y="1940169"/>
-            <a:ext cx="14829868" cy="5282277"/>
+            <a:off x="1428627" y="1678606"/>
+            <a:ext cx="14425123" cy="8940640"/>
           </a:xfrm>
           <a:prstGeom prst="rect">
             <a:avLst/>
@@ -8570,10 +8577,10 @@
       </p:sp>
       <p:pic>
         <p:nvPicPr>
-          <p:cNvPr id="4" name="Picture 3">
+          <p:cNvPr id="3" name="Picture 2" descr="A screenshot of a graph&#10;&#10;Description automatically generated">
             <a:extLst>
               <a:ext uri="{FF2B5EF4-FFF2-40B4-BE49-F238E27FC236}">
-                <a16:creationId xmlns:a16="http://schemas.microsoft.com/office/drawing/2014/main" id="{7A4A3369-AE20-1C44-86B1-B2554C1E316F}"/>
+                <a16:creationId xmlns:a16="http://schemas.microsoft.com/office/drawing/2014/main" id="{E325A511-02A4-0198-0930-C96ABA1600AF}"/>
               </a:ext>
             </a:extLst>
           </p:cNvPr>
@@ -8583,15 +8590,21 @@
           <p:nvPr/>
         </p:nvPicPr>
         <p:blipFill>
-          <a:blip r:embed="rId4"/>
+          <a:blip r:embed="rId4">
+            <a:extLst>
+              <a:ext uri="{28A0092B-C50C-407E-A947-70E740481C1C}">
+                <a14:useLocalDpi xmlns:a14="http://schemas.microsoft.com/office/drawing/2010/main" val="0"/>
+              </a:ext>
+            </a:extLst>
+          </a:blip>
           <a:stretch>
             <a:fillRect/>
           </a:stretch>
         </p:blipFill>
         <p:spPr>
           <a:xfrm>
-            <a:off x="685800" y="275510"/>
-            <a:ext cx="13258800" cy="7832419"/>
+            <a:off x="1569084" y="87999"/>
+            <a:ext cx="13478867" cy="7897309"/>
           </a:xfrm>
           <a:prstGeom prst="rect">
             <a:avLst/>
@@ -9008,10 +9021,10 @@
       </p:sp>
       <p:pic>
         <p:nvPicPr>
-          <p:cNvPr id="2" name="Picture 1">
+          <p:cNvPr id="4" name="Picture 3" descr="A graph and chart on a white background&#10;&#10;Description automatically generated">
             <a:extLst>
               <a:ext uri="{FF2B5EF4-FFF2-40B4-BE49-F238E27FC236}">
-                <a16:creationId xmlns:a16="http://schemas.microsoft.com/office/drawing/2014/main" id="{04A90431-5B91-C98D-6572-24C948CD17AE}"/>
+                <a16:creationId xmlns:a16="http://schemas.microsoft.com/office/drawing/2014/main" id="{6B469C1F-29F0-6E76-6EA2-9E1A95306C0B}"/>
               </a:ext>
             </a:extLst>
           </p:cNvPr>
@@ -9020,15 +9033,21 @@
           </p:cNvPicPr>
           <p:nvPr/>
         </p:nvPicPr>
-        <p:blipFill rotWithShape="1">
-          <a:blip r:embed="rId4"/>
-          <a:srcRect b="59428"/>
+        <p:blipFill>
+          <a:blip r:embed="rId4">
+            <a:extLst>
+              <a:ext uri="{28A0092B-C50C-407E-A947-70E740481C1C}">
+                <a14:useLocalDpi xmlns:a14="http://schemas.microsoft.com/office/drawing/2010/main" val="0"/>
+              </a:ext>
+            </a:extLst>
+          </a:blip>
+          <a:srcRect b="62287"/>
           <a:stretch/>
         </p:blipFill>
         <p:spPr>
           <a:xfrm>
-            <a:off x="989549" y="3381073"/>
-            <a:ext cx="14829868" cy="3501072"/>
+            <a:off x="-276641" y="1707573"/>
+            <a:ext cx="18745137" cy="4381490"/>
           </a:xfrm>
           <a:prstGeom prst="rect">
             <a:avLst/>
@@ -9415,10 +9434,10 @@
       </p:sp>
       <p:pic>
         <p:nvPicPr>
-          <p:cNvPr id="3" name="Picture 2">
+          <p:cNvPr id="4" name="Picture 3" descr="A screenshot of a graph&#10;&#10;Description automatically generated">
             <a:extLst>
               <a:ext uri="{FF2B5EF4-FFF2-40B4-BE49-F238E27FC236}">
-                <a16:creationId xmlns:a16="http://schemas.microsoft.com/office/drawing/2014/main" id="{5724C7E7-3E31-AB4B-A46E-126567FB42BF}"/>
+                <a16:creationId xmlns:a16="http://schemas.microsoft.com/office/drawing/2014/main" id="{D8CF7E75-853F-CC23-AF91-0EDB34E14BDD}"/>
               </a:ext>
             </a:extLst>
           </p:cNvPr>
@@ -9428,15 +9447,21 @@
           <p:nvPr/>
         </p:nvPicPr>
         <p:blipFill>
-          <a:blip r:embed="rId4"/>
+          <a:blip r:embed="rId4">
+            <a:extLst>
+              <a:ext uri="{28A0092B-C50C-407E-A947-70E740481C1C}">
+                <a14:useLocalDpi xmlns:a14="http://schemas.microsoft.com/office/drawing/2010/main" val="0"/>
+              </a:ext>
+            </a:extLst>
+          </a:blip>
           <a:stretch>
             <a:fillRect/>
           </a:stretch>
         </p:blipFill>
         <p:spPr>
           <a:xfrm>
-            <a:off x="1351031" y="800100"/>
-            <a:ext cx="13567410" cy="9044940"/>
+            <a:off x="1219200" y="1259314"/>
+            <a:ext cx="14088467" cy="8900703"/>
           </a:xfrm>
           <a:prstGeom prst="rect">
             <a:avLst/>
@@ -9756,7 +9781,7 @@
                   </a:solidFill>
                   <a:latin typeface="Open Sans Bold"/>
                 </a:rPr>
-                <a:t>7</a:t>
+                <a:t>8</a:t>
               </a:r>
             </a:p>
           </p:txBody>
@@ -9823,10 +9848,10 @@
       </p:sp>
       <p:pic>
         <p:nvPicPr>
-          <p:cNvPr id="4" name="Picture 3">
+          <p:cNvPr id="3" name="Picture 2" descr="A graph of different colored bars&#10;&#10;Description automatically generated with medium confidence">
             <a:extLst>
               <a:ext uri="{FF2B5EF4-FFF2-40B4-BE49-F238E27FC236}">
-                <a16:creationId xmlns:a16="http://schemas.microsoft.com/office/drawing/2014/main" id="{BF37F26B-0B31-671D-BFC1-4E7C5D6C65B1}"/>
+                <a16:creationId xmlns:a16="http://schemas.microsoft.com/office/drawing/2014/main" id="{F3AF000F-D68D-51C0-7C9A-62A611690D55}"/>
               </a:ext>
             </a:extLst>
           </p:cNvPr>
@@ -9836,15 +9861,21 @@
           <p:nvPr/>
         </p:nvPicPr>
         <p:blipFill>
-          <a:blip r:embed="rId4"/>
+          <a:blip r:embed="rId4">
+            <a:extLst>
+              <a:ext uri="{28A0092B-C50C-407E-A947-70E740481C1C}">
+                <a14:useLocalDpi xmlns:a14="http://schemas.microsoft.com/office/drawing/2010/main" val="0"/>
+              </a:ext>
+            </a:extLst>
+          </a:blip>
           <a:stretch>
             <a:fillRect/>
           </a:stretch>
         </p:blipFill>
         <p:spPr>
           <a:xfrm>
-            <a:off x="1051185" y="1028700"/>
-            <a:ext cx="15149540" cy="8656880"/>
+            <a:off x="1044742" y="1295804"/>
+            <a:ext cx="15338258" cy="9108289"/>
           </a:xfrm>
           <a:prstGeom prst="rect">
             <a:avLst/>
